--- a/ronbun/src/appendix/Williamson/fig/case5/conserve.pptx
+++ b/ronbun/src/appendix/Williamson/fig/case5/conserve.pptx
@@ -6,6 +6,7 @@
   </p:sldMasterIdLst>
   <p:sldIdLst>
     <p:sldId id="256" r:id="rId2"/>
+    <p:sldId id="257" r:id="rId3"/>
   </p:sldIdLst>
   <p:sldSz cx="6858000" cy="9906000" type="A4"/>
   <p:notesSz cx="6858000" cy="9144000"/>
@@ -3261,10 +3262,10 @@
       </p:grpSpPr>
       <p:pic>
         <p:nvPicPr>
-          <p:cNvPr id="4" name="図 3">
+          <p:cNvPr id="7" name="図 6">
             <a:extLst>
               <a:ext uri="{FF2B5EF4-FFF2-40B4-BE49-F238E27FC236}">
-                <a16:creationId xmlns:a16="http://schemas.microsoft.com/office/drawing/2014/main" id="{76A02E3E-B27C-4E85-AAA0-FBF000EA9012}"/>
+                <a16:creationId xmlns:a16="http://schemas.microsoft.com/office/drawing/2014/main" id="{734C7EA6-4B09-436C-8074-4932A577063A}"/>
               </a:ext>
             </a:extLst>
           </p:cNvPr>
@@ -3281,13 +3282,13 @@
               </a:ext>
             </a:extLst>
           </a:blip>
-          <a:srcRect r="51571" b="49167"/>
+          <a:srcRect l="65526" t="7532" r="5058" b="53104"/>
           <a:stretch/>
         </p:blipFill>
         <p:spPr>
           <a:xfrm>
-            <a:off x="3117891" y="1"/>
-            <a:ext cx="3940076" cy="3279912"/>
+            <a:off x="227170" y="7030496"/>
+            <a:ext cx="3273437" cy="2326749"/>
           </a:xfrm>
           <a:prstGeom prst="rect">
             <a:avLst/>
@@ -3296,45 +3297,10 @@
       </p:pic>
       <p:pic>
         <p:nvPicPr>
-          <p:cNvPr id="5" name="図 4">
+          <p:cNvPr id="8" name="図 7">
             <a:extLst>
               <a:ext uri="{FF2B5EF4-FFF2-40B4-BE49-F238E27FC236}">
-                <a16:creationId xmlns:a16="http://schemas.microsoft.com/office/drawing/2014/main" id="{DD77F09E-0251-47A0-BD31-7C6806E78FC2}"/>
-              </a:ext>
-            </a:extLst>
-          </p:cNvPr>
-          <p:cNvPicPr>
-            <a:picLocks noChangeAspect="1"/>
-          </p:cNvPicPr>
-          <p:nvPr/>
-        </p:nvPicPr>
-        <p:blipFill rotWithShape="1">
-          <a:blip r:embed="rId3">
-            <a:extLst>
-              <a:ext uri="{28A0092B-C50C-407E-A947-70E740481C1C}">
-                <a14:useLocalDpi xmlns:a14="http://schemas.microsoft.com/office/drawing/2010/main" val="0"/>
-              </a:ext>
-            </a:extLst>
-          </a:blip>
-          <a:srcRect l="50000" b="50000"/>
-          <a:stretch/>
-        </p:blipFill>
-        <p:spPr>
-          <a:xfrm>
-            <a:off x="3356849" y="2754241"/>
-            <a:ext cx="4349933" cy="3073953"/>
-          </a:xfrm>
-          <a:prstGeom prst="rect">
-            <a:avLst/>
-          </a:prstGeom>
-        </p:spPr>
-      </p:pic>
-      <p:pic>
-        <p:nvPicPr>
-          <p:cNvPr id="6" name="図 5">
-            <a:extLst>
-              <a:ext uri="{FF2B5EF4-FFF2-40B4-BE49-F238E27FC236}">
-                <a16:creationId xmlns:a16="http://schemas.microsoft.com/office/drawing/2014/main" id="{1F70A1E0-2654-4AA7-8116-FD468ECB77CA}"/>
+                <a16:creationId xmlns:a16="http://schemas.microsoft.com/office/drawing/2014/main" id="{0BD7661E-CD7D-4DF2-A58E-3BCF98CCD867}"/>
               </a:ext>
             </a:extLst>
           </p:cNvPr>
@@ -3351,13 +3317,475 @@
               </a:ext>
             </a:extLst>
           </a:blip>
-          <a:srcRect l="84401" b="50000"/>
+          <a:srcRect l="9584" t="6516" r="62674" b="54120"/>
           <a:stretch/>
         </p:blipFill>
         <p:spPr>
           <a:xfrm>
-            <a:off x="6376925" y="2837896"/>
-            <a:ext cx="1187967" cy="2690982"/>
+            <a:off x="164338" y="633099"/>
+            <a:ext cx="3115135" cy="2252458"/>
+          </a:xfrm>
+          <a:prstGeom prst="rect">
+            <a:avLst/>
+          </a:prstGeom>
+        </p:spPr>
+      </p:pic>
+      <p:pic>
+        <p:nvPicPr>
+          <p:cNvPr id="9" name="図 8">
+            <a:extLst>
+              <a:ext uri="{FF2B5EF4-FFF2-40B4-BE49-F238E27FC236}">
+                <a16:creationId xmlns:a16="http://schemas.microsoft.com/office/drawing/2014/main" id="{EF52040A-3F56-4417-94DC-989DAB2F708C}"/>
+              </a:ext>
+            </a:extLst>
+          </p:cNvPr>
+          <p:cNvPicPr>
+            <a:picLocks noChangeAspect="1"/>
+          </p:cNvPicPr>
+          <p:nvPr/>
+        </p:nvPicPr>
+        <p:blipFill rotWithShape="1">
+          <a:blip r:embed="rId2">
+            <a:extLst>
+              <a:ext uri="{28A0092B-C50C-407E-A947-70E740481C1C}">
+                <a14:useLocalDpi xmlns:a14="http://schemas.microsoft.com/office/drawing/2010/main" val="0"/>
+              </a:ext>
+            </a:extLst>
+          </a:blip>
+          <a:srcRect l="37557" t="6974" r="34670" b="54256"/>
+          <a:stretch/>
+        </p:blipFill>
+        <p:spPr>
+          <a:xfrm>
+            <a:off x="212923" y="3790237"/>
+            <a:ext cx="3115135" cy="2252459"/>
+          </a:xfrm>
+          <a:prstGeom prst="rect">
+            <a:avLst/>
+          </a:prstGeom>
+        </p:spPr>
+      </p:pic>
+      <p:pic>
+        <p:nvPicPr>
+          <p:cNvPr id="21" name="図 20">
+            <a:extLst>
+              <a:ext uri="{FF2B5EF4-FFF2-40B4-BE49-F238E27FC236}">
+                <a16:creationId xmlns:a16="http://schemas.microsoft.com/office/drawing/2014/main" id="{13491D72-6B0F-42E2-B345-23B5935CEB35}"/>
+              </a:ext>
+            </a:extLst>
+          </p:cNvPr>
+          <p:cNvPicPr>
+            <a:picLocks noChangeAspect="1"/>
+          </p:cNvPicPr>
+          <p:nvPr/>
+        </p:nvPicPr>
+        <p:blipFill rotWithShape="1">
+          <a:blip r:embed="rId3"/>
+          <a:srcRect t="6561"/>
+          <a:stretch/>
+        </p:blipFill>
+        <p:spPr>
+          <a:xfrm>
+            <a:off x="3399680" y="3786416"/>
+            <a:ext cx="2751748" cy="2333167"/>
+          </a:xfrm>
+          <a:prstGeom prst="rect">
+            <a:avLst/>
+          </a:prstGeom>
+        </p:spPr>
+      </p:pic>
+      <p:pic>
+        <p:nvPicPr>
+          <p:cNvPr id="23" name="図 22">
+            <a:extLst>
+              <a:ext uri="{FF2B5EF4-FFF2-40B4-BE49-F238E27FC236}">
+                <a16:creationId xmlns:a16="http://schemas.microsoft.com/office/drawing/2014/main" id="{C32A484A-8D1A-446F-ADFA-0AA6BFB08B4B}"/>
+              </a:ext>
+            </a:extLst>
+          </p:cNvPr>
+          <p:cNvPicPr>
+            <a:picLocks noChangeAspect="1"/>
+          </p:cNvPicPr>
+          <p:nvPr/>
+        </p:nvPicPr>
+        <p:blipFill rotWithShape="1">
+          <a:blip r:embed="rId4"/>
+          <a:srcRect t="5129" r="14360"/>
+          <a:stretch/>
+        </p:blipFill>
+        <p:spPr>
+          <a:xfrm>
+            <a:off x="3422382" y="649569"/>
+            <a:ext cx="2644589" cy="2312874"/>
+          </a:xfrm>
+          <a:prstGeom prst="rect">
+            <a:avLst/>
+          </a:prstGeom>
+        </p:spPr>
+      </p:pic>
+      <p:pic>
+        <p:nvPicPr>
+          <p:cNvPr id="25" name="図 24">
+            <a:extLst>
+              <a:ext uri="{FF2B5EF4-FFF2-40B4-BE49-F238E27FC236}">
+                <a16:creationId xmlns:a16="http://schemas.microsoft.com/office/drawing/2014/main" id="{3BCB0B43-3A83-4FA2-B5C2-587DC5A9CE84}"/>
+              </a:ext>
+            </a:extLst>
+          </p:cNvPr>
+          <p:cNvPicPr>
+            <a:picLocks noChangeAspect="1"/>
+          </p:cNvPicPr>
+          <p:nvPr/>
+        </p:nvPicPr>
+        <p:blipFill rotWithShape="1">
+          <a:blip r:embed="rId5"/>
+          <a:srcRect t="7907" r="13867"/>
+          <a:stretch/>
+        </p:blipFill>
+        <p:spPr>
+          <a:xfrm>
+            <a:off x="3399680" y="6943558"/>
+            <a:ext cx="2754377" cy="2419159"/>
+          </a:xfrm>
+          <a:prstGeom prst="rect">
+            <a:avLst/>
+          </a:prstGeom>
+        </p:spPr>
+      </p:pic>
+      <p:sp>
+        <p:nvSpPr>
+          <p:cNvPr id="32" name="テキスト ボックス 31">
+            <a:extLst>
+              <a:ext uri="{FF2B5EF4-FFF2-40B4-BE49-F238E27FC236}">
+                <a16:creationId xmlns:a16="http://schemas.microsoft.com/office/drawing/2014/main" id="{B8AF4C12-87D5-42B7-9888-0DDEE40C4A42}"/>
+              </a:ext>
+            </a:extLst>
+          </p:cNvPr>
+          <p:cNvSpPr txBox="1"/>
+          <p:nvPr/>
+        </p:nvSpPr>
+        <p:spPr>
+          <a:xfrm>
+            <a:off x="2998920" y="150390"/>
+            <a:ext cx="1038387" cy="369332"/>
+          </a:xfrm>
+          <a:prstGeom prst="rect">
+            <a:avLst/>
+          </a:prstGeom>
+          <a:noFill/>
+        </p:spPr>
+        <p:txBody>
+          <a:bodyPr wrap="square" rtlCol="0">
+            <a:spAutoFit/>
+          </a:bodyPr>
+          <a:lstStyle/>
+          <a:p>
+            <a:r>
+              <a:rPr kumimoji="1" lang="en-US" altLang="ja-JP" dirty="0"/>
+              <a:t>Mass</a:t>
+            </a:r>
+            <a:endParaRPr kumimoji="1" lang="ja-JP" altLang="en-US" dirty="0"/>
+          </a:p>
+        </p:txBody>
+      </p:sp>
+      <p:sp>
+        <p:nvSpPr>
+          <p:cNvPr id="33" name="テキスト ボックス 32">
+            <a:extLst>
+              <a:ext uri="{FF2B5EF4-FFF2-40B4-BE49-F238E27FC236}">
+                <a16:creationId xmlns:a16="http://schemas.microsoft.com/office/drawing/2014/main" id="{DD8993C8-0DF9-4315-84A9-7B521827D8F6}"/>
+              </a:ext>
+            </a:extLst>
+          </p:cNvPr>
+          <p:cNvSpPr txBox="1"/>
+          <p:nvPr/>
+        </p:nvSpPr>
+        <p:spPr>
+          <a:xfrm>
+            <a:off x="2998920" y="3292787"/>
+            <a:ext cx="1038387" cy="369332"/>
+          </a:xfrm>
+          <a:prstGeom prst="rect">
+            <a:avLst/>
+          </a:prstGeom>
+          <a:noFill/>
+        </p:spPr>
+        <p:txBody>
+          <a:bodyPr wrap="square" rtlCol="0">
+            <a:spAutoFit/>
+          </a:bodyPr>
+          <a:lstStyle/>
+          <a:p>
+            <a:r>
+              <a:rPr kumimoji="1" lang="en-US" altLang="ja-JP" dirty="0"/>
+              <a:t>Energy</a:t>
+            </a:r>
+            <a:endParaRPr kumimoji="1" lang="ja-JP" altLang="en-US" dirty="0"/>
+          </a:p>
+        </p:txBody>
+      </p:sp>
+      <p:sp>
+        <p:nvSpPr>
+          <p:cNvPr id="34" name="テキスト ボックス 33">
+            <a:extLst>
+              <a:ext uri="{FF2B5EF4-FFF2-40B4-BE49-F238E27FC236}">
+                <a16:creationId xmlns:a16="http://schemas.microsoft.com/office/drawing/2014/main" id="{792EA7A3-C0E2-46E4-A2EF-1D715A8638AB}"/>
+              </a:ext>
+            </a:extLst>
+          </p:cNvPr>
+          <p:cNvSpPr txBox="1"/>
+          <p:nvPr/>
+        </p:nvSpPr>
+        <p:spPr>
+          <a:xfrm>
+            <a:off x="2464610" y="6466079"/>
+            <a:ext cx="2533977" cy="369332"/>
+          </a:xfrm>
+          <a:prstGeom prst="rect">
+            <a:avLst/>
+          </a:prstGeom>
+          <a:noFill/>
+        </p:spPr>
+        <p:txBody>
+          <a:bodyPr wrap="square" rtlCol="0">
+            <a:spAutoFit/>
+          </a:bodyPr>
+          <a:lstStyle/>
+          <a:p>
+            <a:r>
+              <a:rPr kumimoji="1" lang="en-US" altLang="ja-JP" dirty="0"/>
+              <a:t>Potential enstrophy</a:t>
+            </a:r>
+            <a:endParaRPr kumimoji="1" lang="ja-JP" altLang="en-US" dirty="0"/>
+          </a:p>
+        </p:txBody>
+      </p:sp>
+      <p:cxnSp>
+        <p:nvCxnSpPr>
+          <p:cNvPr id="36" name="直線コネクタ 35">
+            <a:extLst>
+              <a:ext uri="{FF2B5EF4-FFF2-40B4-BE49-F238E27FC236}">
+                <a16:creationId xmlns:a16="http://schemas.microsoft.com/office/drawing/2014/main" id="{4E334935-B303-4DD6-A96B-449040334D3E}"/>
+              </a:ext>
+            </a:extLst>
+          </p:cNvPr>
+          <p:cNvCxnSpPr/>
+          <p:nvPr/>
+        </p:nvCxnSpPr>
+        <p:spPr>
+          <a:xfrm>
+            <a:off x="501497" y="3153303"/>
+            <a:ext cx="5796366" cy="0"/>
+          </a:xfrm>
+          <a:prstGeom prst="line">
+            <a:avLst/>
+          </a:prstGeom>
+          <a:ln>
+            <a:solidFill>
+              <a:schemeClr val="bg2"/>
+            </a:solidFill>
+          </a:ln>
+        </p:spPr>
+        <p:style>
+          <a:lnRef idx="1">
+            <a:schemeClr val="accent1"/>
+          </a:lnRef>
+          <a:fillRef idx="0">
+            <a:schemeClr val="accent1"/>
+          </a:fillRef>
+          <a:effectRef idx="0">
+            <a:schemeClr val="accent1"/>
+          </a:effectRef>
+          <a:fontRef idx="minor">
+            <a:schemeClr val="tx1"/>
+          </a:fontRef>
+        </p:style>
+      </p:cxnSp>
+      <p:cxnSp>
+        <p:nvCxnSpPr>
+          <p:cNvPr id="37" name="直線コネクタ 36">
+            <a:extLst>
+              <a:ext uri="{FF2B5EF4-FFF2-40B4-BE49-F238E27FC236}">
+                <a16:creationId xmlns:a16="http://schemas.microsoft.com/office/drawing/2014/main" id="{66358704-6715-428A-BB20-8E17D39A85AC}"/>
+              </a:ext>
+            </a:extLst>
+          </p:cNvPr>
+          <p:cNvCxnSpPr/>
+          <p:nvPr/>
+        </p:nvCxnSpPr>
+        <p:spPr>
+          <a:xfrm>
+            <a:off x="429875" y="6455145"/>
+            <a:ext cx="5796366" cy="0"/>
+          </a:xfrm>
+          <a:prstGeom prst="line">
+            <a:avLst/>
+          </a:prstGeom>
+          <a:ln>
+            <a:solidFill>
+              <a:schemeClr val="bg2"/>
+            </a:solidFill>
+          </a:ln>
+        </p:spPr>
+        <p:style>
+          <a:lnRef idx="1">
+            <a:schemeClr val="accent1"/>
+          </a:lnRef>
+          <a:fillRef idx="0">
+            <a:schemeClr val="accent1"/>
+          </a:fillRef>
+          <a:effectRef idx="0">
+            <a:schemeClr val="accent1"/>
+          </a:effectRef>
+          <a:fontRef idx="minor">
+            <a:schemeClr val="tx1"/>
+          </a:fontRef>
+        </p:style>
+      </p:cxnSp>
+      <p:pic>
+        <p:nvPicPr>
+          <p:cNvPr id="39" name="図 38">
+            <a:extLst>
+              <a:ext uri="{FF2B5EF4-FFF2-40B4-BE49-F238E27FC236}">
+                <a16:creationId xmlns:a16="http://schemas.microsoft.com/office/drawing/2014/main" id="{56E77C6D-293E-4986-87F5-0602B05A5BB3}"/>
+              </a:ext>
+            </a:extLst>
+          </p:cNvPr>
+          <p:cNvPicPr>
+            <a:picLocks noChangeAspect="1"/>
+          </p:cNvPicPr>
+          <p:nvPr/>
+        </p:nvPicPr>
+        <p:blipFill>
+          <a:blip r:embed="rId6"/>
+          <a:stretch>
+            <a:fillRect/>
+          </a:stretch>
+        </p:blipFill>
+        <p:spPr>
+          <a:xfrm>
+            <a:off x="6139886" y="910750"/>
+            <a:ext cx="553776" cy="218776"/>
+          </a:xfrm>
+          <a:prstGeom prst="rect">
+            <a:avLst/>
+          </a:prstGeom>
+        </p:spPr>
+      </p:pic>
+      <p:pic>
+        <p:nvPicPr>
+          <p:cNvPr id="40" name="図 39">
+            <a:extLst>
+              <a:ext uri="{FF2B5EF4-FFF2-40B4-BE49-F238E27FC236}">
+                <a16:creationId xmlns:a16="http://schemas.microsoft.com/office/drawing/2014/main" id="{D24F8FAB-6E58-47D3-9E04-EBB5BED7D749}"/>
+              </a:ext>
+            </a:extLst>
+          </p:cNvPr>
+          <p:cNvPicPr>
+            <a:picLocks noChangeAspect="1"/>
+          </p:cNvPicPr>
+          <p:nvPr/>
+        </p:nvPicPr>
+        <p:blipFill>
+          <a:blip r:embed="rId6"/>
+          <a:stretch>
+            <a:fillRect/>
+          </a:stretch>
+        </p:blipFill>
+        <p:spPr>
+          <a:xfrm>
+            <a:off x="6154004" y="7239154"/>
+            <a:ext cx="553776" cy="218776"/>
+          </a:xfrm>
+          <a:prstGeom prst="rect">
+            <a:avLst/>
+          </a:prstGeom>
+        </p:spPr>
+      </p:pic>
+      <p:pic>
+        <p:nvPicPr>
+          <p:cNvPr id="41" name="図 40">
+            <a:extLst>
+              <a:ext uri="{FF2B5EF4-FFF2-40B4-BE49-F238E27FC236}">
+                <a16:creationId xmlns:a16="http://schemas.microsoft.com/office/drawing/2014/main" id="{CCAB3CC7-C4AE-47BB-9A2D-633157E0D41A}"/>
+              </a:ext>
+            </a:extLst>
+          </p:cNvPr>
+          <p:cNvPicPr>
+            <a:picLocks noChangeAspect="1"/>
+          </p:cNvPicPr>
+          <p:nvPr/>
+        </p:nvPicPr>
+        <p:blipFill>
+          <a:blip r:embed="rId6"/>
+          <a:stretch>
+            <a:fillRect/>
+          </a:stretch>
+        </p:blipFill>
+        <p:spPr>
+          <a:xfrm>
+            <a:off x="6154004" y="4074952"/>
+            <a:ext cx="553776" cy="218776"/>
+          </a:xfrm>
+          <a:prstGeom prst="rect">
+            <a:avLst/>
+          </a:prstGeom>
+        </p:spPr>
+      </p:pic>
+    </p:spTree>
+    <p:extLst>
+      <p:ext uri="{BB962C8B-B14F-4D97-AF65-F5344CB8AC3E}">
+        <p14:creationId xmlns:p14="http://schemas.microsoft.com/office/powerpoint/2010/main" val="2027472255"/>
+      </p:ext>
+    </p:extLst>
+  </p:cSld>
+  <p:clrMapOvr>
+    <a:masterClrMapping/>
+  </p:clrMapOvr>
+</p:sld>
+</file>
+
+<file path=ppt/slides/slide2.xml><?xml version="1.0" encoding="utf-8"?>
+<p:sld xmlns:a="http://schemas.openxmlformats.org/drawingml/2006/main" xmlns:r="http://schemas.openxmlformats.org/officeDocument/2006/relationships" xmlns:p="http://schemas.openxmlformats.org/presentationml/2006/main">
+  <p:cSld>
+    <p:spTree>
+      <p:nvGrpSpPr>
+        <p:cNvPr id="1" name=""/>
+        <p:cNvGrpSpPr/>
+        <p:nvPr/>
+      </p:nvGrpSpPr>
+      <p:grpSpPr>
+        <a:xfrm>
+          <a:off x="0" y="0"/>
+          <a:ext cx="0" cy="0"/>
+          <a:chOff x="0" y="0"/>
+          <a:chExt cx="0" cy="0"/>
+        </a:xfrm>
+      </p:grpSpPr>
+      <p:pic>
+        <p:nvPicPr>
+          <p:cNvPr id="5" name="図 4">
+            <a:extLst>
+              <a:ext uri="{FF2B5EF4-FFF2-40B4-BE49-F238E27FC236}">
+                <a16:creationId xmlns:a16="http://schemas.microsoft.com/office/drawing/2014/main" id="{A891A873-320A-48E5-9923-C1A95489CE7C}"/>
+              </a:ext>
+            </a:extLst>
+          </p:cNvPr>
+          <p:cNvPicPr>
+            <a:picLocks noChangeAspect="1"/>
+          </p:cNvPicPr>
+          <p:nvPr/>
+        </p:nvPicPr>
+        <p:blipFill>
+          <a:blip r:embed="rId2"/>
+          <a:stretch>
+            <a:fillRect/>
+          </a:stretch>
+        </p:blipFill>
+        <p:spPr>
+          <a:xfrm>
+            <a:off x="3180837" y="1172908"/>
+            <a:ext cx="3677163" cy="2962688"/>
           </a:xfrm>
           <a:prstGeom prst="rect">
             <a:avLst/>
@@ -3369,7 +3797,37 @@
           <p:cNvPr id="7" name="図 6">
             <a:extLst>
               <a:ext uri="{FF2B5EF4-FFF2-40B4-BE49-F238E27FC236}">
-                <a16:creationId xmlns:a16="http://schemas.microsoft.com/office/drawing/2014/main" id="{734C7EA6-4B09-436C-8074-4932A577063A}"/>
+                <a16:creationId xmlns:a16="http://schemas.microsoft.com/office/drawing/2014/main" id="{C74442EA-E21A-4911-9044-D2F4E4662B82}"/>
+              </a:ext>
+            </a:extLst>
+          </p:cNvPr>
+          <p:cNvPicPr>
+            <a:picLocks noChangeAspect="1"/>
+          </p:cNvPicPr>
+          <p:nvPr/>
+        </p:nvPicPr>
+        <p:blipFill>
+          <a:blip r:embed="rId3"/>
+          <a:stretch>
+            <a:fillRect/>
+          </a:stretch>
+        </p:blipFill>
+        <p:spPr>
+          <a:xfrm>
+            <a:off x="3171311" y="5011057"/>
+            <a:ext cx="3686689" cy="2953162"/>
+          </a:xfrm>
+          <a:prstGeom prst="rect">
+            <a:avLst/>
+          </a:prstGeom>
+        </p:spPr>
+      </p:pic>
+      <p:pic>
+        <p:nvPicPr>
+          <p:cNvPr id="8" name="図 7">
+            <a:extLst>
+              <a:ext uri="{FF2B5EF4-FFF2-40B4-BE49-F238E27FC236}">
+                <a16:creationId xmlns:a16="http://schemas.microsoft.com/office/drawing/2014/main" id="{A1B579D0-07A9-4976-B38A-E530089C3246}"/>
               </a:ext>
             </a:extLst>
           </p:cNvPr>
@@ -3386,13 +3844,13 @@
               </a:ext>
             </a:extLst>
           </a:blip>
-          <a:srcRect l="65526" t="7532" r="5058" b="53104"/>
+          <a:srcRect l="20035" t="53632" r="51540" b="9721"/>
           <a:stretch/>
         </p:blipFill>
         <p:spPr>
           <a:xfrm>
-            <a:off x="562139" y="7102336"/>
-            <a:ext cx="2866286" cy="2216604"/>
+            <a:off x="304679" y="1397656"/>
+            <a:ext cx="2935635" cy="2513191"/>
           </a:xfrm>
           <a:prstGeom prst="rect">
             <a:avLst/>
@@ -3401,10 +3859,10 @@
       </p:pic>
       <p:pic>
         <p:nvPicPr>
-          <p:cNvPr id="8" name="図 7">
+          <p:cNvPr id="9" name="図 8">
             <a:extLst>
               <a:ext uri="{FF2B5EF4-FFF2-40B4-BE49-F238E27FC236}">
-                <a16:creationId xmlns:a16="http://schemas.microsoft.com/office/drawing/2014/main" id="{0BD7661E-CD7D-4DF2-A58E-3BCF98CCD867}"/>
+                <a16:creationId xmlns:a16="http://schemas.microsoft.com/office/drawing/2014/main" id="{BB7C893C-85F3-4E83-BE42-7205ED5AE837}"/>
               </a:ext>
             </a:extLst>
           </p:cNvPr>
@@ -3421,128 +3879,136 @@
               </a:ext>
             </a:extLst>
           </a:blip>
-          <a:srcRect l="7910" t="6516" r="62674" b="54120"/>
+          <a:srcRect l="48459" t="53632" r="22577" b="9721"/>
           <a:stretch/>
         </p:blipFill>
         <p:spPr>
           <a:xfrm>
-            <a:off x="296478" y="624242"/>
-            <a:ext cx="3131948" cy="2289118"/>
+            <a:off x="304680" y="5199743"/>
+            <a:ext cx="2991258" cy="2513191"/>
           </a:xfrm>
           <a:prstGeom prst="rect">
             <a:avLst/>
           </a:prstGeom>
         </p:spPr>
       </p:pic>
-      <p:pic>
-        <p:nvPicPr>
-          <p:cNvPr id="9" name="図 8">
+      <p:sp>
+        <p:nvSpPr>
+          <p:cNvPr id="10" name="テキスト ボックス 9">
             <a:extLst>
               <a:ext uri="{FF2B5EF4-FFF2-40B4-BE49-F238E27FC236}">
-                <a16:creationId xmlns:a16="http://schemas.microsoft.com/office/drawing/2014/main" id="{EF52040A-3F56-4417-94DC-989DAB2F708C}"/>
+                <a16:creationId xmlns:a16="http://schemas.microsoft.com/office/drawing/2014/main" id="{A18481B6-80B2-4A93-8F5A-BCFA6552BB43}"/>
               </a:ext>
             </a:extLst>
           </p:cNvPr>
-          <p:cNvPicPr>
-            <a:picLocks noChangeAspect="1"/>
-          </p:cNvPicPr>
+          <p:cNvSpPr txBox="1"/>
           <p:nvPr/>
-        </p:nvPicPr>
-        <p:blipFill rotWithShape="1">
-          <a:blip r:embed="rId4">
-            <a:extLst>
-              <a:ext uri="{28A0092B-C50C-407E-A947-70E740481C1C}">
-                <a14:useLocalDpi xmlns:a14="http://schemas.microsoft.com/office/drawing/2010/main" val="0"/>
-              </a:ext>
-            </a:extLst>
-          </a:blip>
-          <a:srcRect l="37557" t="6974" r="34670" b="54256"/>
-          <a:stretch/>
-        </p:blipFill>
-        <p:spPr>
-          <a:xfrm>
-            <a:off x="506317" y="3550202"/>
-            <a:ext cx="2850532" cy="2299871"/>
+        </p:nvSpPr>
+        <p:spPr>
+          <a:xfrm>
+            <a:off x="3028240" y="731284"/>
+            <a:ext cx="1038387" cy="369332"/>
           </a:xfrm>
           <a:prstGeom prst="rect">
             <a:avLst/>
           </a:prstGeom>
-        </p:spPr>
-      </p:pic>
-      <p:pic>
-        <p:nvPicPr>
-          <p:cNvPr id="10" name="図 9">
+          <a:noFill/>
+        </p:spPr>
+        <p:txBody>
+          <a:bodyPr wrap="square" rtlCol="0">
+            <a:spAutoFit/>
+          </a:bodyPr>
+          <a:lstStyle/>
+          <a:p>
+            <a:r>
+              <a:rPr kumimoji="1" lang="en-US" altLang="ja-JP" dirty="0"/>
+              <a:t>Vorticity</a:t>
+            </a:r>
+            <a:endParaRPr kumimoji="1" lang="ja-JP" altLang="en-US" dirty="0"/>
+          </a:p>
+        </p:txBody>
+      </p:sp>
+      <p:cxnSp>
+        <p:nvCxnSpPr>
+          <p:cNvPr id="11" name="直線コネクタ 10">
             <a:extLst>
               <a:ext uri="{FF2B5EF4-FFF2-40B4-BE49-F238E27FC236}">
-                <a16:creationId xmlns:a16="http://schemas.microsoft.com/office/drawing/2014/main" id="{9B5299F7-E66B-4384-83C5-2A00B6C294B1}"/>
+                <a16:creationId xmlns:a16="http://schemas.microsoft.com/office/drawing/2014/main" id="{35EBCA4A-9411-4325-85B8-10DC142E9D1B}"/>
               </a:ext>
             </a:extLst>
           </p:cNvPr>
-          <p:cNvPicPr>
-            <a:picLocks noChangeAspect="1"/>
-          </p:cNvPicPr>
+          <p:cNvCxnSpPr/>
           <p:nvPr/>
-        </p:nvPicPr>
-        <p:blipFill rotWithShape="1">
-          <a:blip r:embed="rId2">
+        </p:nvCxnSpPr>
+        <p:spPr>
+          <a:xfrm>
+            <a:off x="430412" y="4256711"/>
+            <a:ext cx="5796366" cy="0"/>
+          </a:xfrm>
+          <a:prstGeom prst="line">
+            <a:avLst/>
+          </a:prstGeom>
+          <a:ln>
+            <a:solidFill>
+              <a:schemeClr val="bg2"/>
+            </a:solidFill>
+          </a:ln>
+        </p:spPr>
+        <p:style>
+          <a:lnRef idx="1">
+            <a:schemeClr val="accent1"/>
+          </a:lnRef>
+          <a:fillRef idx="0">
+            <a:schemeClr val="accent1"/>
+          </a:fillRef>
+          <a:effectRef idx="0">
+            <a:schemeClr val="accent1"/>
+          </a:effectRef>
+          <a:fontRef idx="minor">
+            <a:schemeClr val="tx1"/>
+          </a:fontRef>
+        </p:style>
+      </p:cxnSp>
+      <p:sp>
+        <p:nvSpPr>
+          <p:cNvPr id="12" name="テキスト ボックス 11">
             <a:extLst>
-              <a:ext uri="{28A0092B-C50C-407E-A947-70E740481C1C}">
-                <a14:useLocalDpi xmlns:a14="http://schemas.microsoft.com/office/drawing/2010/main" val="0"/>
+              <a:ext uri="{FF2B5EF4-FFF2-40B4-BE49-F238E27FC236}">
+                <a16:creationId xmlns:a16="http://schemas.microsoft.com/office/drawing/2014/main" id="{40C931BA-B8BB-42C4-86FA-CA2F0D5BBE87}"/>
               </a:ext>
             </a:extLst>
-          </a:blip>
-          <a:srcRect t="50000" r="54711"/>
-          <a:stretch/>
-        </p:blipFill>
-        <p:spPr>
-          <a:xfrm>
-            <a:off x="3117891" y="6832046"/>
-            <a:ext cx="3940075" cy="3073953"/>
+          </p:cNvPr>
+          <p:cNvSpPr txBox="1"/>
+          <p:nvPr/>
+        </p:nvSpPr>
+        <p:spPr>
+          <a:xfrm>
+            <a:off x="2898924" y="4480526"/>
+            <a:ext cx="1297018" cy="369332"/>
           </a:xfrm>
           <a:prstGeom prst="rect">
             <a:avLst/>
           </a:prstGeom>
-        </p:spPr>
-      </p:pic>
-      <p:pic>
-        <p:nvPicPr>
-          <p:cNvPr id="11" name="図 10">
-            <a:extLst>
-              <a:ext uri="{FF2B5EF4-FFF2-40B4-BE49-F238E27FC236}">
-                <a16:creationId xmlns:a16="http://schemas.microsoft.com/office/drawing/2014/main" id="{8D1CE0B4-22AE-4407-B6EF-8AC187A91ABD}"/>
-              </a:ext>
-            </a:extLst>
-          </p:cNvPr>
-          <p:cNvPicPr>
-            <a:picLocks noChangeAspect="1"/>
-          </p:cNvPicPr>
-          <p:nvPr/>
-        </p:nvPicPr>
-        <p:blipFill rotWithShape="1">
-          <a:blip r:embed="rId4">
-            <a:extLst>
-              <a:ext uri="{28A0092B-C50C-407E-A947-70E740481C1C}">
-                <a14:useLocalDpi xmlns:a14="http://schemas.microsoft.com/office/drawing/2010/main" val="0"/>
-              </a:ext>
-            </a:extLst>
-          </a:blip>
-          <a:srcRect l="7910" t="46008" r="8405" b="45695"/>
-          <a:stretch/>
-        </p:blipFill>
-        <p:spPr>
-          <a:xfrm>
-            <a:off x="-7017132" y="2967346"/>
-            <a:ext cx="5745193" cy="329163"/>
-          </a:xfrm>
-          <a:prstGeom prst="rect">
-            <a:avLst/>
-          </a:prstGeom>
-        </p:spPr>
-      </p:pic>
+          <a:noFill/>
+        </p:spPr>
+        <p:txBody>
+          <a:bodyPr wrap="square" rtlCol="0">
+            <a:spAutoFit/>
+          </a:bodyPr>
+          <a:lstStyle/>
+          <a:p>
+            <a:r>
+              <a:rPr kumimoji="1" lang="en-US" altLang="ja-JP" dirty="0"/>
+              <a:t>Divergence</a:t>
+            </a:r>
+            <a:endParaRPr kumimoji="1" lang="ja-JP" altLang="en-US" dirty="0"/>
+          </a:p>
+        </p:txBody>
+      </p:sp>
     </p:spTree>
     <p:extLst>
       <p:ext uri="{BB962C8B-B14F-4D97-AF65-F5344CB8AC3E}">
-        <p14:creationId xmlns:p14="http://schemas.microsoft.com/office/powerpoint/2010/main" val="2027472255"/>
+        <p14:creationId xmlns:p14="http://schemas.microsoft.com/office/powerpoint/2010/main" val="1750199692"/>
       </p:ext>
     </p:extLst>
   </p:cSld>
